--- a/docs/diagrams/ModelComponentClassDiagramV1-4.pptx
+++ b/docs/diagrams/ModelComponentClassDiagramV1-4.pptx
@@ -208,7 +208,7 @@
           <a:p>
             <a:fld id="{F5CC4B3F-88C1-4FFA-B1B6-F41C21DC6924}" type="datetimeFigureOut">
               <a:rPr lang="en-US" smtClean="0"/>
-              <a:t>11/2/17</a:t>
+              <a:t>11/9/17</a:t>
             </a:fld>
             <a:endParaRPr lang="en-US"/>
           </a:p>
@@ -657,7 +657,7 @@
           <a:p>
             <a:fld id="{78C97017-6FC3-485B-9764-EAC9E56C1D49}" type="datetimeFigureOut">
               <a:rPr lang="en-US" smtClean="0"/>
-              <a:t>11/2/17</a:t>
+              <a:t>11/9/17</a:t>
             </a:fld>
             <a:endParaRPr lang="en-US"/>
           </a:p>
@@ -827,7 +827,7 @@
           <a:p>
             <a:fld id="{78C97017-6FC3-485B-9764-EAC9E56C1D49}" type="datetimeFigureOut">
               <a:rPr lang="en-US" smtClean="0"/>
-              <a:t>11/2/17</a:t>
+              <a:t>11/9/17</a:t>
             </a:fld>
             <a:endParaRPr lang="en-US"/>
           </a:p>
@@ -1007,7 +1007,7 @@
           <a:p>
             <a:fld id="{78C97017-6FC3-485B-9764-EAC9E56C1D49}" type="datetimeFigureOut">
               <a:rPr lang="en-US" smtClean="0"/>
-              <a:t>11/2/17</a:t>
+              <a:t>11/9/17</a:t>
             </a:fld>
             <a:endParaRPr lang="en-US"/>
           </a:p>
@@ -1177,7 +1177,7 @@
           <a:p>
             <a:fld id="{78C97017-6FC3-485B-9764-EAC9E56C1D49}" type="datetimeFigureOut">
               <a:rPr lang="en-US" smtClean="0"/>
-              <a:t>11/2/17</a:t>
+              <a:t>11/9/17</a:t>
             </a:fld>
             <a:endParaRPr lang="en-US"/>
           </a:p>
@@ -1423,7 +1423,7 @@
           <a:p>
             <a:fld id="{78C97017-6FC3-485B-9764-EAC9E56C1D49}" type="datetimeFigureOut">
               <a:rPr lang="en-US" smtClean="0"/>
-              <a:t>11/2/17</a:t>
+              <a:t>11/9/17</a:t>
             </a:fld>
             <a:endParaRPr lang="en-US"/>
           </a:p>
@@ -1711,7 +1711,7 @@
           <a:p>
             <a:fld id="{78C97017-6FC3-485B-9764-EAC9E56C1D49}" type="datetimeFigureOut">
               <a:rPr lang="en-US" smtClean="0"/>
-              <a:t>11/2/17</a:t>
+              <a:t>11/9/17</a:t>
             </a:fld>
             <a:endParaRPr lang="en-US"/>
           </a:p>
@@ -2133,7 +2133,7 @@
           <a:p>
             <a:fld id="{78C97017-6FC3-485B-9764-EAC9E56C1D49}" type="datetimeFigureOut">
               <a:rPr lang="en-US" smtClean="0"/>
-              <a:t>11/2/17</a:t>
+              <a:t>11/9/17</a:t>
             </a:fld>
             <a:endParaRPr lang="en-US"/>
           </a:p>
@@ -2251,7 +2251,7 @@
           <a:p>
             <a:fld id="{78C97017-6FC3-485B-9764-EAC9E56C1D49}" type="datetimeFigureOut">
               <a:rPr lang="en-US" smtClean="0"/>
-              <a:t>11/2/17</a:t>
+              <a:t>11/9/17</a:t>
             </a:fld>
             <a:endParaRPr lang="en-US"/>
           </a:p>
@@ -2346,7 +2346,7 @@
           <a:p>
             <a:fld id="{78C97017-6FC3-485B-9764-EAC9E56C1D49}" type="datetimeFigureOut">
               <a:rPr lang="en-US" smtClean="0"/>
-              <a:t>11/2/17</a:t>
+              <a:t>11/9/17</a:t>
             </a:fld>
             <a:endParaRPr lang="en-US"/>
           </a:p>
@@ -2623,7 +2623,7 @@
           <a:p>
             <a:fld id="{78C97017-6FC3-485B-9764-EAC9E56C1D49}" type="datetimeFigureOut">
               <a:rPr lang="en-US" smtClean="0"/>
-              <a:t>11/2/17</a:t>
+              <a:t>11/9/17</a:t>
             </a:fld>
             <a:endParaRPr lang="en-US"/>
           </a:p>
@@ -2876,7 +2876,7 @@
           <a:p>
             <a:fld id="{78C97017-6FC3-485B-9764-EAC9E56C1D49}" type="datetimeFigureOut">
               <a:rPr lang="en-US" smtClean="0"/>
-              <a:t>11/2/17</a:t>
+              <a:t>11/9/17</a:t>
             </a:fld>
             <a:endParaRPr lang="en-US"/>
           </a:p>
@@ -3089,7 +3089,7 @@
           <a:p>
             <a:fld id="{78C97017-6FC3-485B-9764-EAC9E56C1D49}" type="datetimeFigureOut">
               <a:rPr lang="en-US" smtClean="0"/>
-              <a:t>11/2/17</a:t>
+              <a:t>11/9/17</a:t>
             </a:fld>
             <a:endParaRPr lang="en-US"/>
           </a:p>
@@ -3473,7 +3473,7 @@
         <p:spPr>
           <a:xfrm>
             <a:off x="838200" y="609600"/>
-            <a:ext cx="7490735" cy="5105400"/>
+            <a:ext cx="7848600" cy="5105400"/>
           </a:xfrm>
           <a:prstGeom prst="roundRect">
             <a:avLst>
@@ -3652,9 +3652,9 @@
           <p:nvPr/>
         </p:nvCxnSpPr>
         <p:spPr>
-          <a:xfrm flipV="1">
-            <a:off x="6195335" y="2661521"/>
-            <a:ext cx="95385" cy="416514"/>
+          <a:xfrm rot="10800000">
+            <a:off x="6431167" y="2733593"/>
+            <a:ext cx="54086" cy="556166"/>
           </a:xfrm>
           <a:prstGeom prst="bentConnector2">
             <a:avLst/>
@@ -3849,9 +3849,9 @@
           <p:nvPr/>
         </p:nvSpPr>
         <p:spPr>
-          <a:xfrm rot="5400000" flipV="1">
-            <a:off x="5972321" y="2990273"/>
-            <a:ext cx="270504" cy="175523"/>
+          <a:xfrm rot="5400000">
+            <a:off x="6447508" y="3199650"/>
+            <a:ext cx="255708" cy="180218"/>
           </a:xfrm>
           <a:prstGeom prst="triangle">
             <a:avLst/>
@@ -4699,7 +4699,7 @@
         </p:nvSpPr>
         <p:spPr>
           <a:xfrm>
-            <a:off x="4846592" y="2896390"/>
+            <a:off x="6665471" y="3103650"/>
             <a:ext cx="1156969" cy="346760"/>
           </a:xfrm>
           <a:prstGeom prst="rect">
@@ -4770,7 +4770,7 @@
         </p:nvSpPr>
         <p:spPr>
           <a:xfrm>
-            <a:off x="7430732" y="1159207"/>
+            <a:off x="7750014" y="838200"/>
             <a:ext cx="708186" cy="285783"/>
           </a:xfrm>
           <a:prstGeom prst="rect">
@@ -4826,7 +4826,7 @@
         </p:nvSpPr>
         <p:spPr>
           <a:xfrm>
-            <a:off x="6760282" y="2415591"/>
+            <a:off x="6760282" y="2362200"/>
             <a:ext cx="236048" cy="173380"/>
           </a:xfrm>
           <a:prstGeom prst="flowChartDecision">
@@ -4869,15 +4869,14 @@
         <p:nvCxnSpPr>
           <p:cNvPr id="79" name="Elbow Connector 78"/>
           <p:cNvCxnSpPr>
-            <a:stCxn id="78" idx="3"/>
             <a:endCxn id="76" idx="1"/>
           </p:cNvCxnSpPr>
           <p:nvPr/>
         </p:nvCxnSpPr>
         <p:spPr>
           <a:xfrm flipV="1">
-            <a:off x="6996330" y="1302099"/>
-            <a:ext cx="434402" cy="1200182"/>
+            <a:off x="7315612" y="981092"/>
+            <a:ext cx="434402" cy="1467798"/>
           </a:xfrm>
           <a:prstGeom prst="bentConnector3">
             <a:avLst/>
@@ -4914,7 +4913,7 @@
         </p:nvSpPr>
         <p:spPr>
           <a:xfrm>
-            <a:off x="7430732" y="1533128"/>
+            <a:off x="7750014" y="1219200"/>
             <a:ext cx="708186" cy="285783"/>
           </a:xfrm>
           <a:prstGeom prst="rect">
@@ -4966,17 +4965,16 @@
         <p:nvCxnSpPr>
           <p:cNvPr id="81" name="Elbow Connector 80"/>
           <p:cNvCxnSpPr>
-            <a:stCxn id="78" idx="3"/>
             <a:endCxn id="80" idx="1"/>
           </p:cNvCxnSpPr>
           <p:nvPr/>
         </p:nvCxnSpPr>
         <p:spPr>
-          <a:xfrm flipV="1">
-            <a:off x="6996330" y="1676020"/>
-            <a:ext cx="434402" cy="826261"/>
-          </a:xfrm>
-          <a:prstGeom prst="bentConnector3">
+          <a:xfrm rot="5400000" flipH="1" flipV="1">
+            <a:off x="7081115" y="1817055"/>
+            <a:ext cx="1123862" cy="213936"/>
+          </a:xfrm>
+          <a:prstGeom prst="bentConnector2">
             <a:avLst/>
           </a:prstGeom>
           <a:ln w="19050">
@@ -5011,7 +5009,7 @@
         </p:nvSpPr>
         <p:spPr>
           <a:xfrm>
-            <a:off x="7430732" y="2677584"/>
+            <a:off x="7750014" y="2362200"/>
             <a:ext cx="708186" cy="285783"/>
           </a:xfrm>
           <a:prstGeom prst="rect">
@@ -5070,11 +5068,13 @@
         </p:nvCxnSpPr>
         <p:spPr>
           <a:xfrm>
-            <a:off x="6996330" y="2502281"/>
-            <a:ext cx="434402" cy="318195"/>
+            <a:off x="6996330" y="2448890"/>
+            <a:ext cx="753684" cy="56202"/>
           </a:xfrm>
           <a:prstGeom prst="bentConnector3">
-            <a:avLst/>
+            <a:avLst>
+              <a:gd name="adj1" fmla="val 69965"/>
+            </a:avLst>
           </a:prstGeom>
           <a:ln w="19050">
             <a:solidFill>
@@ -5108,7 +5108,7 @@
         </p:nvSpPr>
         <p:spPr>
           <a:xfrm>
-            <a:off x="7430732" y="3000561"/>
+            <a:off x="7719150" y="2743200"/>
             <a:ext cx="708186" cy="285783"/>
           </a:xfrm>
           <a:prstGeom prst="rect">
@@ -5156,47 +5156,6 @@
           </a:p>
         </p:txBody>
       </p:sp>
-      <p:cxnSp>
-        <p:nvCxnSpPr>
-          <p:cNvPr id="86" name="Elbow Connector 85"/>
-          <p:cNvCxnSpPr>
-            <a:stCxn id="78" idx="3"/>
-            <a:endCxn id="85" idx="1"/>
-          </p:cNvCxnSpPr>
-          <p:nvPr/>
-        </p:nvCxnSpPr>
-        <p:spPr>
-          <a:xfrm>
-            <a:off x="6996330" y="2502281"/>
-            <a:ext cx="434402" cy="641172"/>
-          </a:xfrm>
-          <a:prstGeom prst="bentConnector3">
-            <a:avLst/>
-          </a:prstGeom>
-          <a:ln w="19050">
-            <a:solidFill>
-              <a:srgbClr val="7030A0"/>
-            </a:solidFill>
-            <a:headEnd type="none" w="med" len="med"/>
-            <a:tailEnd type="arrow" w="med" len="med"/>
-          </a:ln>
-          <a:effectLst/>
-        </p:spPr>
-        <p:style>
-          <a:lnRef idx="1">
-            <a:schemeClr val="accent2"/>
-          </a:lnRef>
-          <a:fillRef idx="2">
-            <a:schemeClr val="accent2"/>
-          </a:fillRef>
-          <a:effectRef idx="1">
-            <a:schemeClr val="accent2"/>
-          </a:effectRef>
-          <a:fontRef idx="minor">
-            <a:schemeClr val="dk1"/>
-          </a:fontRef>
-        </p:style>
-      </p:cxnSp>
       <p:cxnSp>
         <p:nvCxnSpPr>
           <p:cNvPr id="97" name="Elbow Connector 63"/>
@@ -5882,7 +5841,7 @@
         </p:nvCxnSpPr>
         <p:spPr>
           <a:xfrm>
-            <a:off x="2366196" y="3493975"/>
+            <a:off x="2366196" y="3591890"/>
             <a:ext cx="220810" cy="5284"/>
           </a:xfrm>
           <a:prstGeom prst="straightConnector1">
@@ -5920,7 +5879,7 @@
         </p:nvSpPr>
         <p:spPr>
           <a:xfrm>
-            <a:off x="2130148" y="3407285"/>
+            <a:off x="2130148" y="3505200"/>
             <a:ext cx="236048" cy="173380"/>
           </a:xfrm>
           <a:prstGeom prst="flowChartDecision">
@@ -5965,7 +5924,7 @@
         </p:nvSpPr>
         <p:spPr>
           <a:xfrm>
-            <a:off x="2366196" y="3251107"/>
+            <a:off x="2366196" y="3402717"/>
             <a:ext cx="189257" cy="178683"/>
           </a:xfrm>
           <a:prstGeom prst="rect">
@@ -6004,7 +5963,7 @@
         </p:nvSpPr>
         <p:spPr>
           <a:xfrm>
-            <a:off x="2595280" y="3304006"/>
+            <a:off x="2595280" y="3448330"/>
             <a:ext cx="1093635" cy="346760"/>
           </a:xfrm>
           <a:prstGeom prst="rect">
@@ -6060,7 +6019,7 @@
         </p:nvCxnSpPr>
         <p:spPr>
           <a:xfrm rot="16200000" flipH="1">
-            <a:off x="2995184" y="3823563"/>
+            <a:off x="2995184" y="3967887"/>
             <a:ext cx="293825" cy="1"/>
           </a:xfrm>
           <a:prstGeom prst="bentConnector3">
@@ -6101,7 +6060,7 @@
         </p:nvSpPr>
         <p:spPr>
           <a:xfrm flipV="1">
-            <a:off x="3013349" y="3963190"/>
+            <a:off x="3013349" y="4091677"/>
             <a:ext cx="270504" cy="175523"/>
           </a:xfrm>
           <a:prstGeom prst="triangle">
@@ -6149,7 +6108,7 @@
         </p:nvSpPr>
         <p:spPr>
           <a:xfrm>
-            <a:off x="2383516" y="4161312"/>
+            <a:off x="2393311" y="4299370"/>
             <a:ext cx="1539926" cy="346760"/>
           </a:xfrm>
           <a:prstGeom prst="rect">
@@ -6220,7 +6179,7 @@
         </p:nvSpPr>
         <p:spPr>
           <a:xfrm>
-            <a:off x="3697189" y="3409435"/>
+            <a:off x="3697189" y="3553759"/>
             <a:ext cx="236048" cy="173380"/>
           </a:xfrm>
           <a:prstGeom prst="flowChartDecision">
@@ -6267,7 +6226,7 @@
         </p:nvCxnSpPr>
         <p:spPr>
           <a:xfrm>
-            <a:off x="3941511" y="3493975"/>
+            <a:off x="3941511" y="3638299"/>
             <a:ext cx="254152" cy="0"/>
           </a:xfrm>
           <a:prstGeom prst="straightConnector1">
@@ -6305,7 +6264,7 @@
         </p:nvSpPr>
         <p:spPr>
           <a:xfrm>
-            <a:off x="4194015" y="3352800"/>
+            <a:off x="4194508" y="3502832"/>
             <a:ext cx="1156969" cy="346760"/>
           </a:xfrm>
           <a:prstGeom prst="rect">
@@ -6361,7 +6320,7 @@
         </p:nvSpPr>
         <p:spPr>
           <a:xfrm>
-            <a:off x="5375714" y="3451629"/>
+            <a:off x="5361562" y="3589927"/>
             <a:ext cx="236048" cy="173380"/>
           </a:xfrm>
           <a:prstGeom prst="flowChartDecision">
@@ -6656,8 +6615,8 @@
         </p:nvCxnSpPr>
         <p:spPr>
           <a:xfrm flipV="1">
-            <a:off x="6855807" y="3858700"/>
-            <a:ext cx="566485" cy="2082"/>
+            <a:off x="6750954" y="4157796"/>
+            <a:ext cx="671338" cy="12031"/>
           </a:xfrm>
           <a:prstGeom prst="line">
             <a:avLst/>
@@ -6692,7 +6651,7 @@
         </p:nvCxnSpPr>
         <p:spPr>
           <a:xfrm flipV="1">
-            <a:off x="7207756" y="3559666"/>
+            <a:off x="7207756" y="3858762"/>
             <a:ext cx="0" cy="1024147"/>
           </a:xfrm>
           <a:prstGeom prst="line">
@@ -6727,7 +6686,7 @@
         </p:nvCxnSpPr>
         <p:spPr>
           <a:xfrm>
-            <a:off x="7207755" y="3561417"/>
+            <a:off x="7207755" y="3860513"/>
             <a:ext cx="217201" cy="0"/>
           </a:xfrm>
           <a:prstGeom prst="line">
@@ -6763,7 +6722,7 @@
         </p:nvCxnSpPr>
         <p:spPr>
           <a:xfrm>
-            <a:off x="7207756" y="4191790"/>
+            <a:off x="7207756" y="4490886"/>
             <a:ext cx="217201" cy="0"/>
           </a:xfrm>
           <a:prstGeom prst="line">
@@ -6799,7 +6758,7 @@
         </p:nvCxnSpPr>
         <p:spPr>
           <a:xfrm>
-            <a:off x="7207754" y="4583813"/>
+            <a:off x="7207754" y="4882909"/>
             <a:ext cx="217201" cy="0"/>
           </a:xfrm>
           <a:prstGeom prst="line">
@@ -6835,7 +6794,7 @@
         </p:nvSpPr>
         <p:spPr>
           <a:xfrm>
-            <a:off x="7430732" y="3390868"/>
+            <a:off x="7430732" y="3676617"/>
             <a:ext cx="708186" cy="285783"/>
           </a:xfrm>
           <a:prstGeom prst="rect">
@@ -6891,7 +6850,7 @@
         </p:nvCxnSpPr>
         <p:spPr>
           <a:xfrm>
-            <a:off x="5611762" y="3540998"/>
+            <a:off x="5611762" y="3657600"/>
             <a:ext cx="108420" cy="0"/>
           </a:xfrm>
           <a:prstGeom prst="line">
@@ -6926,8 +6885,8 @@
         </p:nvCxnSpPr>
         <p:spPr>
           <a:xfrm flipV="1">
-            <a:off x="5720182" y="3538320"/>
-            <a:ext cx="0" cy="285243"/>
+            <a:off x="5720182" y="3650766"/>
+            <a:ext cx="0" cy="172798"/>
           </a:xfrm>
           <a:prstGeom prst="line">
             <a:avLst/>
@@ -6997,7 +6956,7 @@
         </p:nvSpPr>
         <p:spPr>
           <a:xfrm>
-            <a:off x="7429857" y="3733712"/>
+            <a:off x="7429857" y="4032808"/>
             <a:ext cx="822877" cy="285783"/>
           </a:xfrm>
           <a:prstGeom prst="rect">
@@ -7053,7 +7012,7 @@
         </p:nvSpPr>
         <p:spPr>
           <a:xfrm>
-            <a:off x="7430732" y="4068614"/>
+            <a:off x="7430732" y="4367710"/>
             <a:ext cx="708186" cy="285783"/>
           </a:xfrm>
           <a:prstGeom prst="rect">
@@ -7109,7 +7068,7 @@
         </p:nvSpPr>
         <p:spPr>
           <a:xfrm>
-            <a:off x="7430732" y="4444321"/>
+            <a:off x="7430732" y="4743417"/>
             <a:ext cx="708186" cy="285783"/>
           </a:xfrm>
           <a:prstGeom prst="rect">
@@ -7349,7 +7308,7 @@
         </p:nvSpPr>
         <p:spPr>
           <a:xfrm>
-            <a:off x="7423327" y="1917018"/>
+            <a:off x="7742609" y="1600200"/>
             <a:ext cx="708186" cy="285783"/>
           </a:xfrm>
           <a:prstGeom prst="rect">
@@ -7407,11 +7366,13 @@
         </p:nvCxnSpPr>
         <p:spPr>
           <a:xfrm flipV="1">
-            <a:off x="6988925" y="2059910"/>
-            <a:ext cx="434402" cy="434861"/>
+            <a:off x="6998066" y="1743092"/>
+            <a:ext cx="744543" cy="714414"/>
           </a:xfrm>
           <a:prstGeom prst="bentConnector3">
-            <a:avLst/>
+            <a:avLst>
+              <a:gd name="adj1" fmla="val 71764"/>
+            </a:avLst>
           </a:prstGeom>
           <a:ln w="19050">
             <a:solidFill>
@@ -7445,8 +7406,8 @@
         </p:nvCxnSpPr>
         <p:spPr>
           <a:xfrm>
-            <a:off x="7212656" y="2430987"/>
-            <a:ext cx="217201" cy="0"/>
+            <a:off x="7532813" y="2176216"/>
+            <a:ext cx="216326" cy="9964"/>
           </a:xfrm>
           <a:prstGeom prst="line">
             <a:avLst/>
@@ -7481,7 +7442,7 @@
         </p:nvSpPr>
         <p:spPr>
           <a:xfrm>
-            <a:off x="7420751" y="2277093"/>
+            <a:off x="7740033" y="1981200"/>
             <a:ext cx="708186" cy="285783"/>
           </a:xfrm>
           <a:prstGeom prst="rect">
@@ -7522,6 +7483,480 @@
               <a:t>Address</a:t>
             </a:r>
             <a:endParaRPr lang="en-SG" sz="1050" dirty="0">
+              <a:solidFill>
+                <a:srgbClr val="7030A0"/>
+              </a:solidFill>
+            </a:endParaRPr>
+          </a:p>
+        </p:txBody>
+      </p:sp>
+      <p:cxnSp>
+        <p:nvCxnSpPr>
+          <p:cNvPr id="104" name="Elbow Connector 103"/>
+          <p:cNvCxnSpPr>
+            <a:stCxn id="78" idx="3"/>
+          </p:cNvCxnSpPr>
+          <p:nvPr/>
+        </p:nvCxnSpPr>
+        <p:spPr>
+          <a:xfrm>
+            <a:off x="6996330" y="2448890"/>
+            <a:ext cx="753684" cy="437202"/>
+          </a:xfrm>
+          <a:prstGeom prst="bentConnector3">
+            <a:avLst>
+              <a:gd name="adj1" fmla="val 69965"/>
+            </a:avLst>
+          </a:prstGeom>
+          <a:ln w="19050">
+            <a:solidFill>
+              <a:srgbClr val="7030A0"/>
+            </a:solidFill>
+            <a:headEnd type="none" w="med" len="med"/>
+            <a:tailEnd type="arrow" w="med" len="med"/>
+          </a:ln>
+          <a:effectLst/>
+        </p:spPr>
+        <p:style>
+          <a:lnRef idx="1">
+            <a:schemeClr val="accent2"/>
+          </a:lnRef>
+          <a:fillRef idx="2">
+            <a:schemeClr val="accent2"/>
+          </a:fillRef>
+          <a:effectRef idx="1">
+            <a:schemeClr val="accent2"/>
+          </a:effectRef>
+          <a:fontRef idx="minor">
+            <a:schemeClr val="dk1"/>
+          </a:fontRef>
+        </p:style>
+      </p:cxnSp>
+      <p:cxnSp>
+        <p:nvCxnSpPr>
+          <p:cNvPr id="108" name="Straight Connector 107"/>
+          <p:cNvCxnSpPr/>
+          <p:nvPr/>
+        </p:nvCxnSpPr>
+        <p:spPr>
+          <a:xfrm flipH="1" flipV="1">
+            <a:off x="6750954" y="3940412"/>
+            <a:ext cx="9328" cy="283603"/>
+          </a:xfrm>
+          <a:prstGeom prst="line">
+            <a:avLst/>
+          </a:prstGeom>
+          <a:ln w="19050">
+            <a:solidFill>
+              <a:srgbClr val="7030A0"/>
+            </a:solidFill>
+          </a:ln>
+        </p:spPr>
+        <p:style>
+          <a:lnRef idx="1">
+            <a:schemeClr val="accent1"/>
+          </a:lnRef>
+          <a:fillRef idx="0">
+            <a:schemeClr val="accent1"/>
+          </a:fillRef>
+          <a:effectRef idx="0">
+            <a:schemeClr val="accent1"/>
+          </a:effectRef>
+          <a:fontRef idx="minor">
+            <a:schemeClr val="tx1"/>
+          </a:fontRef>
+        </p:style>
+      </p:cxnSp>
+      <p:sp>
+        <p:nvSpPr>
+          <p:cNvPr id="115" name="Rectangle 8"/>
+          <p:cNvSpPr/>
+          <p:nvPr/>
+        </p:nvSpPr>
+        <p:spPr>
+          <a:xfrm>
+            <a:off x="4195068" y="2802696"/>
+            <a:ext cx="1156969" cy="346760"/>
+          </a:xfrm>
+          <a:prstGeom prst="rect">
+            <a:avLst/>
+          </a:prstGeom>
+          <a:ln w="19050">
+            <a:solidFill>
+              <a:srgbClr val="7030A0"/>
+            </a:solidFill>
+          </a:ln>
+          <a:effectLst/>
+        </p:spPr>
+        <p:style>
+          <a:lnRef idx="1">
+            <a:schemeClr val="accent4"/>
+          </a:lnRef>
+          <a:fillRef idx="2">
+            <a:schemeClr val="accent4"/>
+          </a:fillRef>
+          <a:effectRef idx="1">
+            <a:schemeClr val="accent4"/>
+          </a:effectRef>
+          <a:fontRef idx="minor">
+            <a:schemeClr val="dk1"/>
+          </a:fontRef>
+        </p:style>
+        <p:txBody>
+          <a:bodyPr rtlCol="0" anchor="ctr"/>
+          <a:lstStyle/>
+          <a:p>
+            <a:pPr algn="ctr"/>
+            <a:r>
+              <a:rPr lang="en-US" sz="1050" dirty="0" err="1" smtClean="0">
+                <a:solidFill>
+                  <a:srgbClr val="7030A0"/>
+                </a:solidFill>
+              </a:rPr>
+              <a:t>UniqueGroupList</a:t>
+            </a:r>
+            <a:endParaRPr lang="en-SG" sz="1050" dirty="0">
+              <a:solidFill>
+                <a:srgbClr val="7030A0"/>
+              </a:solidFill>
+            </a:endParaRPr>
+          </a:p>
+        </p:txBody>
+      </p:sp>
+      <p:cxnSp>
+        <p:nvCxnSpPr>
+          <p:cNvPr id="117" name="Elbow Connector 116"/>
+          <p:cNvCxnSpPr>
+            <a:stCxn id="51" idx="3"/>
+            <a:endCxn id="115" idx="1"/>
+          </p:cNvCxnSpPr>
+          <p:nvPr/>
+        </p:nvCxnSpPr>
+        <p:spPr>
+          <a:xfrm>
+            <a:off x="3938686" y="2228071"/>
+            <a:ext cx="256382" cy="748005"/>
+          </a:xfrm>
+          <a:prstGeom prst="bentConnector3">
+            <a:avLst/>
+          </a:prstGeom>
+          <a:ln w="19050">
+            <a:solidFill>
+              <a:srgbClr val="7030A0"/>
+            </a:solidFill>
+            <a:headEnd type="none" w="med" len="med"/>
+            <a:tailEnd type="arrow" w="med" len="med"/>
+          </a:ln>
+          <a:effectLst/>
+        </p:spPr>
+        <p:style>
+          <a:lnRef idx="1">
+            <a:schemeClr val="accent2"/>
+          </a:lnRef>
+          <a:fillRef idx="2">
+            <a:schemeClr val="accent2"/>
+          </a:fillRef>
+          <a:effectRef idx="1">
+            <a:schemeClr val="accent2"/>
+          </a:effectRef>
+          <a:fontRef idx="minor">
+            <a:schemeClr val="dk1"/>
+          </a:fontRef>
+        </p:style>
+      </p:cxnSp>
+      <p:sp>
+        <p:nvSpPr>
+          <p:cNvPr id="129" name="TextBox 128"/>
+          <p:cNvSpPr txBox="1"/>
+          <p:nvPr/>
+        </p:nvSpPr>
+        <p:spPr>
+          <a:xfrm>
+            <a:off x="3999393" y="3072657"/>
+            <a:ext cx="189257" cy="178683"/>
+          </a:xfrm>
+          <a:prstGeom prst="rect">
+            <a:avLst/>
+          </a:prstGeom>
+          <a:noFill/>
+        </p:spPr>
+        <p:txBody>
+          <a:bodyPr wrap="square" lIns="0" tIns="0" rIns="0" bIns="0" rtlCol="0">
+            <a:noAutofit/>
+          </a:bodyPr>
+          <a:lstStyle/>
+          <a:p>
+            <a:pPr algn="ctr"/>
+            <a:r>
+              <a:rPr lang="en-US" sz="1100" dirty="0" smtClean="0">
+                <a:solidFill>
+                  <a:srgbClr val="7030A0"/>
+                </a:solidFill>
+              </a:rPr>
+              <a:t>1</a:t>
+            </a:r>
+            <a:endParaRPr lang="en-SG" sz="1100" dirty="0">
+              <a:solidFill>
+                <a:srgbClr val="7030A0"/>
+              </a:solidFill>
+            </a:endParaRPr>
+          </a:p>
+        </p:txBody>
+      </p:sp>
+      <p:cxnSp>
+        <p:nvCxnSpPr>
+          <p:cNvPr id="130" name="Elbow Connector 129"/>
+          <p:cNvCxnSpPr/>
+          <p:nvPr/>
+        </p:nvCxnSpPr>
+        <p:spPr>
+          <a:xfrm rot="10800000" flipV="1">
+            <a:off x="5344308" y="2688641"/>
+            <a:ext cx="931308" cy="276184"/>
+          </a:xfrm>
+          <a:prstGeom prst="bentConnector3">
+            <a:avLst>
+              <a:gd name="adj1" fmla="val 2772"/>
+            </a:avLst>
+          </a:prstGeom>
+          <a:ln w="19050">
+            <a:solidFill>
+              <a:srgbClr val="7030A0"/>
+            </a:solidFill>
+            <a:headEnd type="none" w="med" len="med"/>
+            <a:tailEnd type="arrow" w="med" len="med"/>
+          </a:ln>
+          <a:effectLst/>
+        </p:spPr>
+        <p:style>
+          <a:lnRef idx="1">
+            <a:schemeClr val="accent2"/>
+          </a:lnRef>
+          <a:fillRef idx="2">
+            <a:schemeClr val="accent2"/>
+          </a:fillRef>
+          <a:effectRef idx="1">
+            <a:schemeClr val="accent2"/>
+          </a:effectRef>
+          <a:fontRef idx="minor">
+            <a:schemeClr val="dk1"/>
+          </a:fontRef>
+        </p:style>
+      </p:cxnSp>
+      <p:sp>
+        <p:nvSpPr>
+          <p:cNvPr id="134" name="Rectangle 8"/>
+          <p:cNvSpPr/>
+          <p:nvPr/>
+        </p:nvSpPr>
+        <p:spPr>
+          <a:xfrm>
+            <a:off x="5410200" y="3124200"/>
+            <a:ext cx="583023" cy="346760"/>
+          </a:xfrm>
+          <a:prstGeom prst="rect">
+            <a:avLst/>
+          </a:prstGeom>
+          <a:ln w="19050">
+            <a:solidFill>
+              <a:srgbClr val="7030A0"/>
+            </a:solidFill>
+          </a:ln>
+          <a:effectLst/>
+        </p:spPr>
+        <p:style>
+          <a:lnRef idx="1">
+            <a:schemeClr val="accent4"/>
+          </a:lnRef>
+          <a:fillRef idx="2">
+            <a:schemeClr val="accent4"/>
+          </a:fillRef>
+          <a:effectRef idx="1">
+            <a:schemeClr val="accent4"/>
+          </a:effectRef>
+          <a:fontRef idx="minor">
+            <a:schemeClr val="dk1"/>
+          </a:fontRef>
+        </p:style>
+        <p:txBody>
+          <a:bodyPr rtlCol="0" anchor="ctr"/>
+          <a:lstStyle/>
+          <a:p>
+            <a:pPr algn="ctr"/>
+            <a:r>
+              <a:rPr lang="en-US" sz="1050" smtClean="0">
+                <a:solidFill>
+                  <a:srgbClr val="7030A0"/>
+                </a:solidFill>
+              </a:rPr>
+              <a:t>Group</a:t>
+            </a:r>
+            <a:endParaRPr lang="en-SG" sz="1050" dirty="0">
+              <a:solidFill>
+                <a:srgbClr val="7030A0"/>
+              </a:solidFill>
+            </a:endParaRPr>
+          </a:p>
+        </p:txBody>
+      </p:sp>
+      <p:sp>
+        <p:nvSpPr>
+          <p:cNvPr id="135" name="Flowchart: Decision 96"/>
+          <p:cNvSpPr/>
+          <p:nvPr/>
+        </p:nvSpPr>
+        <p:spPr>
+          <a:xfrm rot="16200000">
+            <a:off x="4899908" y="3206522"/>
+            <a:ext cx="236048" cy="173380"/>
+          </a:xfrm>
+          <a:prstGeom prst="flowChartDecision">
+            <a:avLst/>
+          </a:prstGeom>
+          <a:noFill/>
+          <a:ln w="19050">
+            <a:solidFill>
+              <a:srgbClr val="7030A0"/>
+            </a:solidFill>
+          </a:ln>
+          <a:effectLst/>
+        </p:spPr>
+        <p:style>
+          <a:lnRef idx="1">
+            <a:schemeClr val="accent6"/>
+          </a:lnRef>
+          <a:fillRef idx="2">
+            <a:schemeClr val="accent6"/>
+          </a:fillRef>
+          <a:effectRef idx="1">
+            <a:schemeClr val="accent6"/>
+          </a:effectRef>
+          <a:fontRef idx="minor">
+            <a:schemeClr val="dk1"/>
+          </a:fontRef>
+        </p:style>
+        <p:txBody>
+          <a:bodyPr rtlCol="0" anchor="ctr"/>
+          <a:lstStyle/>
+          <a:p>
+            <a:pPr algn="ctr"/>
+            <a:endParaRPr lang="en-US" sz="1050"/>
+          </a:p>
+        </p:txBody>
+      </p:sp>
+      <p:cxnSp>
+        <p:nvCxnSpPr>
+          <p:cNvPr id="136" name="Elbow Connector 135"/>
+          <p:cNvCxnSpPr>
+            <a:stCxn id="135" idx="2"/>
+          </p:cNvCxnSpPr>
+          <p:nvPr/>
+        </p:nvCxnSpPr>
+        <p:spPr>
+          <a:xfrm flipV="1">
+            <a:off x="5104622" y="3289759"/>
+            <a:ext cx="301501" cy="3453"/>
+          </a:xfrm>
+          <a:prstGeom prst="bentConnector3">
+            <a:avLst>
+              <a:gd name="adj1" fmla="val 50000"/>
+            </a:avLst>
+          </a:prstGeom>
+          <a:ln w="19050">
+            <a:solidFill>
+              <a:srgbClr val="7030A0"/>
+            </a:solidFill>
+            <a:headEnd type="none" w="med" len="med"/>
+            <a:tailEnd type="arrow" w="med" len="med"/>
+          </a:ln>
+          <a:effectLst/>
+        </p:spPr>
+        <p:style>
+          <a:lnRef idx="1">
+            <a:schemeClr val="accent2"/>
+          </a:lnRef>
+          <a:fillRef idx="2">
+            <a:schemeClr val="accent2"/>
+          </a:fillRef>
+          <a:effectRef idx="1">
+            <a:schemeClr val="accent2"/>
+          </a:effectRef>
+          <a:fontRef idx="minor">
+            <a:schemeClr val="dk1"/>
+          </a:fontRef>
+        </p:style>
+      </p:cxnSp>
+      <p:sp>
+        <p:nvSpPr>
+          <p:cNvPr id="142" name="TextBox 141"/>
+          <p:cNvSpPr txBox="1"/>
+          <p:nvPr/>
+        </p:nvSpPr>
+        <p:spPr>
+          <a:xfrm>
+            <a:off x="5249679" y="3344173"/>
+            <a:ext cx="189257" cy="178683"/>
+          </a:xfrm>
+          <a:prstGeom prst="rect">
+            <a:avLst/>
+          </a:prstGeom>
+          <a:noFill/>
+        </p:spPr>
+        <p:txBody>
+          <a:bodyPr wrap="square" lIns="0" tIns="0" rIns="0" bIns="0" rtlCol="0">
+            <a:noAutofit/>
+          </a:bodyPr>
+          <a:lstStyle/>
+          <a:p>
+            <a:pPr algn="ctr"/>
+            <a:r>
+              <a:rPr lang="en-US" sz="1100" dirty="0" smtClean="0">
+                <a:solidFill>
+                  <a:srgbClr val="7030A0"/>
+                </a:solidFill>
+              </a:rPr>
+              <a:t>*</a:t>
+            </a:r>
+            <a:endParaRPr lang="en-SG" sz="1100" dirty="0">
+              <a:solidFill>
+                <a:srgbClr val="7030A0"/>
+              </a:solidFill>
+            </a:endParaRPr>
+          </a:p>
+        </p:txBody>
+      </p:sp>
+      <p:sp>
+        <p:nvSpPr>
+          <p:cNvPr id="144" name="TextBox 143"/>
+          <p:cNvSpPr txBox="1"/>
+          <p:nvPr/>
+        </p:nvSpPr>
+        <p:spPr>
+          <a:xfrm>
+            <a:off x="5413772" y="2793907"/>
+            <a:ext cx="189257" cy="178683"/>
+          </a:xfrm>
+          <a:prstGeom prst="rect">
+            <a:avLst/>
+          </a:prstGeom>
+          <a:noFill/>
+        </p:spPr>
+        <p:txBody>
+          <a:bodyPr wrap="square" lIns="0" tIns="0" rIns="0" bIns="0" rtlCol="0">
+            <a:noAutofit/>
+          </a:bodyPr>
+          <a:lstStyle/>
+          <a:p>
+            <a:pPr algn="ctr"/>
+            <a:r>
+              <a:rPr lang="en-US" sz="1100" dirty="0" smtClean="0">
+                <a:solidFill>
+                  <a:srgbClr val="7030A0"/>
+                </a:solidFill>
+              </a:rPr>
+              <a:t>1</a:t>
+            </a:r>
+            <a:endParaRPr lang="en-SG" sz="1100" dirty="0">
               <a:solidFill>
                 <a:srgbClr val="7030A0"/>
               </a:solidFill>
